--- a/کنفرانس زیان انگلیسی.pptx
+++ b/کنفرانس زیان انگلیسی.pptx
@@ -449,11 +449,11 @@
         </c:dLbls>
         <c:gapWidth val="50"/>
         <c:overlap val="100"/>
-        <c:axId val="-1675502400"/>
-        <c:axId val="-1675504576"/>
+        <c:axId val="-1005978784"/>
+        <c:axId val="-1005977696"/>
       </c:barChart>
       <c:catAx>
-        <c:axId val="-1675502400"/>
+        <c:axId val="-1005978784"/>
         <c:scaling>
           <c:orientation val="minMax"/>
         </c:scaling>
@@ -495,7 +495,7 @@
             <a:endParaRPr lang="en-US"/>
           </a:p>
         </c:txPr>
-        <c:crossAx val="-1675504576"/>
+        <c:crossAx val="-1005977696"/>
         <c:crosses val="autoZero"/>
         <c:auto val="1"/>
         <c:lblAlgn val="ctr"/>
@@ -503,7 +503,7 @@
         <c:noMultiLvlLbl val="0"/>
       </c:catAx>
       <c:valAx>
-        <c:axId val="-1675504576"/>
+        <c:axId val="-1005977696"/>
         <c:scaling>
           <c:orientation val="minMax"/>
         </c:scaling>
@@ -513,7 +513,7 @@
         <c:majorTickMark val="none"/>
         <c:minorTickMark val="none"/>
         <c:tickLblPos val="nextTo"/>
-        <c:crossAx val="-1675502400"/>
+        <c:crossAx val="-1005978784"/>
         <c:crosses val="autoZero"/>
         <c:crossBetween val="between"/>
       </c:valAx>
@@ -1171,7 +1171,7 @@
           <p:cNvPr id="2" name="Header Placeholder 1">
             <a:extLst>
               <a:ext uri="{FF2B5EF4-FFF2-40B4-BE49-F238E27FC236}">
-                <a16:creationId xmlns:a16="http://schemas.microsoft.com/office/drawing/2014/main" xmlns="" id="{737F2D40-DF92-4ADE-A761-CBF896599CA3}"/>
+                <a16:creationId xmlns="" xmlns:a16="http://schemas.microsoft.com/office/drawing/2014/main" id="{737F2D40-DF92-4ADE-A761-CBF896599CA3}"/>
               </a:ext>
             </a:extLst>
           </p:cNvPr>
@@ -1208,7 +1208,7 @@
           <p:cNvPr id="3" name="Date Placeholder 2">
             <a:extLst>
               <a:ext uri="{FF2B5EF4-FFF2-40B4-BE49-F238E27FC236}">
-                <a16:creationId xmlns:a16="http://schemas.microsoft.com/office/drawing/2014/main" xmlns="" id="{874F42E9-55BA-437C-85B3-324B4E2BF264}"/>
+                <a16:creationId xmlns="" xmlns:a16="http://schemas.microsoft.com/office/drawing/2014/main" id="{874F42E9-55BA-437C-85B3-324B4E2BF264}"/>
               </a:ext>
             </a:extLst>
           </p:cNvPr>
@@ -1249,7 +1249,7 @@
           <p:cNvPr id="4" name="Footer Placeholder 3">
             <a:extLst>
               <a:ext uri="{FF2B5EF4-FFF2-40B4-BE49-F238E27FC236}">
-                <a16:creationId xmlns:a16="http://schemas.microsoft.com/office/drawing/2014/main" xmlns="" id="{407DF0FD-84A5-462F-A0AC-B2CEF6020C45}"/>
+                <a16:creationId xmlns="" xmlns:a16="http://schemas.microsoft.com/office/drawing/2014/main" id="{407DF0FD-84A5-462F-A0AC-B2CEF6020C45}"/>
               </a:ext>
             </a:extLst>
           </p:cNvPr>
@@ -1286,7 +1286,7 @@
           <p:cNvPr id="5" name="Slide Number Placeholder 4">
             <a:extLst>
               <a:ext uri="{FF2B5EF4-FFF2-40B4-BE49-F238E27FC236}">
-                <a16:creationId xmlns:a16="http://schemas.microsoft.com/office/drawing/2014/main" xmlns="" id="{5D85C710-014C-4C89-9B64-843B9863CEBF}"/>
+                <a16:creationId xmlns="" xmlns:a16="http://schemas.microsoft.com/office/drawing/2014/main" id="{5D85C710-014C-4C89-9B64-843B9863CEBF}"/>
               </a:ext>
             </a:extLst>
           </p:cNvPr>
@@ -5103,7 +5103,7 @@
           <p:cNvPr id="2" name="Title 1">
             <a:extLst>
               <a:ext uri="{FF2B5EF4-FFF2-40B4-BE49-F238E27FC236}">
-                <a16:creationId xmlns:a16="http://schemas.microsoft.com/office/drawing/2014/main" xmlns="" id="{340C7600-5BA8-4A54-887F-74AF87750A31}"/>
+                <a16:creationId xmlns="" xmlns:a16="http://schemas.microsoft.com/office/drawing/2014/main" id="{340C7600-5BA8-4A54-887F-74AF87750A31}"/>
               </a:ext>
             </a:extLst>
           </p:cNvPr>
@@ -5671,7 +5671,7 @@
           <p:cNvPr id="2" name="Title 1">
             <a:extLst>
               <a:ext uri="{FF2B5EF4-FFF2-40B4-BE49-F238E27FC236}">
-                <a16:creationId xmlns:a16="http://schemas.microsoft.com/office/drawing/2014/main" xmlns="" id="{D44BCB7C-A6FC-4118-9027-468ECFDE6455}"/>
+                <a16:creationId xmlns="" xmlns:a16="http://schemas.microsoft.com/office/drawing/2014/main" id="{D44BCB7C-A6FC-4118-9027-468ECFDE6455}"/>
               </a:ext>
             </a:extLst>
           </p:cNvPr>
@@ -11028,8 +11028,8 @@
         </p:nvSpPr>
         <p:spPr>
           <a:xfrm>
-            <a:off x="509155" y="197427"/>
-            <a:ext cx="11180618" cy="6247864"/>
+            <a:off x="488373" y="238828"/>
+            <a:ext cx="11180618" cy="6740307"/>
           </a:xfrm>
           <a:prstGeom prst="rect">
             <a:avLst/>
@@ -11043,127 +11043,198 @@
           <a:lstStyle/>
           <a:p>
             <a:r>
-              <a:rPr lang="en-US" sz="2000" smtClean="0"/>
+              <a:rPr lang="en-US" smtClean="0"/>
               <a:t>Teacher Name:</a:t>
             </a:r>
           </a:p>
           <a:p>
             <a:r>
-              <a:rPr lang="en-US" sz="2000"/>
+              <a:rPr lang="en-US"/>
               <a:t>	</a:t>
             </a:r>
             <a:r>
-              <a:rPr lang="en-US" sz="2000" smtClean="0"/>
+              <a:rPr lang="en-US" smtClean="0"/>
               <a:t>F. Sadeai </a:t>
             </a:r>
           </a:p>
           <a:p>
-            <a:endParaRPr lang="en-US" sz="2000"/>
-          </a:p>
-          <a:p>
-            <a:r>
-              <a:rPr lang="en-US" sz="2000" smtClean="0"/>
+            <a:endParaRPr lang="en-US"/>
+          </a:p>
+          <a:p>
+            <a:r>
+              <a:rPr lang="en-US" smtClean="0"/>
               <a:t>University:</a:t>
             </a:r>
           </a:p>
           <a:p>
             <a:r>
-              <a:rPr lang="en-US" sz="2000"/>
+              <a:rPr lang="en-US"/>
               <a:t>	</a:t>
             </a:r>
             <a:r>
-              <a:rPr lang="en-US" sz="2000" smtClean="0"/>
+              <a:rPr lang="en-US" smtClean="0"/>
               <a:t>AzadUnis.ScienceAndResearch </a:t>
             </a:r>
           </a:p>
           <a:p>
-            <a:endParaRPr lang="en-US" sz="2000"/>
-          </a:p>
-          <a:p>
-            <a:r>
-              <a:rPr lang="en-US" sz="2000" smtClean="0"/>
+            <a:endParaRPr lang="en-US"/>
+          </a:p>
+          <a:p>
+            <a:r>
+              <a:rPr lang="en-US" smtClean="0"/>
               <a:t>Time:</a:t>
             </a:r>
           </a:p>
           <a:p>
             <a:r>
-              <a:rPr lang="en-US" sz="2000"/>
+              <a:rPr lang="en-US"/>
               <a:t>	</a:t>
             </a:r>
             <a:r>
-              <a:rPr lang="en-US" sz="2000" smtClean="0"/>
+              <a:rPr lang="en-US" smtClean="0"/>
               <a:t>…. [didn’t took place </a:t>
             </a:r>
             <a:r>
-              <a:rPr lang="en-US" sz="2000" smtClean="0">
+              <a:rPr lang="en-US" smtClean="0">
                 <a:sym typeface="Wingdings" panose="05000000000000000000" pitchFamily="2" charset="2"/>
               </a:rPr>
-              <a:t>:( ]</a:t>
-            </a:r>
-            <a:endParaRPr lang="en-US" sz="2000" smtClean="0"/>
-          </a:p>
-          <a:p>
-            <a:endParaRPr lang="en-US" sz="2000"/>
-          </a:p>
-          <a:p>
-            <a:r>
-              <a:rPr lang="en-US" sz="2000" smtClean="0"/>
-              <a:t>ControButors</a:t>
-            </a:r>
-            <a:r>
-              <a:rPr lang="en-US" sz="2000" smtClean="0"/>
-              <a:t>:</a:t>
-            </a:r>
-          </a:p>
-          <a:p>
-            <a:endParaRPr lang="en-US" sz="2000" smtClean="0"/>
-          </a:p>
-          <a:p>
-            <a:r>
-              <a:rPr lang="en-US" sz="2000" smtClean="0"/>
-              <a:t>MatinNoor [style corrector, presentation script writer, presentor]</a:t>
-            </a:r>
-            <a:endParaRPr lang="en-US" sz="2000" smtClean="0"/>
-          </a:p>
-          <a:p>
-            <a:r>
-              <a:rPr lang="en-US" sz="2000" smtClean="0"/>
+              <a:t>:( </a:t>
+            </a:r>
+            <a:r>
+              <a:rPr lang="en-US" smtClean="0">
+                <a:sym typeface="Wingdings" panose="05000000000000000000" pitchFamily="2" charset="2"/>
+              </a:rPr>
+              <a:t>]</a:t>
+            </a:r>
+          </a:p>
+          <a:p>
+            <a:endParaRPr lang="en-US">
+              <a:sym typeface="Wingdings" panose="05000000000000000000" pitchFamily="2" charset="2"/>
+            </a:endParaRPr>
+          </a:p>
+          <a:p>
+            <a:r>
+              <a:rPr lang="en-US" smtClean="0">
+                <a:solidFill>
+                  <a:srgbClr val="FFCC00"/>
+                </a:solidFill>
+                <a:sym typeface="Wingdings" panose="05000000000000000000" pitchFamily="2" charset="2"/>
+              </a:rPr>
+              <a:t>Class:</a:t>
+            </a:r>
+          </a:p>
+          <a:p>
+            <a:r>
+              <a:rPr lang="en-US">
+                <a:solidFill>
+                  <a:srgbClr val="FFCC00"/>
+                </a:solidFill>
+                <a:sym typeface="Wingdings" panose="05000000000000000000" pitchFamily="2" charset="2"/>
+              </a:rPr>
+              <a:t>	</a:t>
+            </a:r>
+            <a:r>
+              <a:rPr lang="en-US" smtClean="0">
+                <a:solidFill>
+                  <a:srgbClr val="FFCC00"/>
+                </a:solidFill>
+                <a:sym typeface="Wingdings" panose="05000000000000000000" pitchFamily="2" charset="2"/>
+              </a:rPr>
+              <a:t>Wednsday 10-13 </a:t>
+            </a:r>
+            <a:endParaRPr lang="en-US" smtClean="0">
+              <a:solidFill>
+                <a:srgbClr val="FFCC00"/>
+              </a:solidFill>
+            </a:endParaRPr>
+          </a:p>
+          <a:p>
+            <a:endParaRPr lang="en-US"/>
+          </a:p>
+          <a:p>
+            <a:r>
+              <a:rPr lang="en-US" smtClean="0"/>
+              <a:t>ControButors:</a:t>
+            </a:r>
+          </a:p>
+          <a:p>
+            <a:pPr lvl="1"/>
+            <a:r>
+              <a:rPr lang="en-US" smtClean="0"/>
+              <a:t>5</a:t>
+            </a:r>
+            <a:r>
+              <a:rPr lang="en-US" baseline="30000" smtClean="0"/>
+              <a:t>th</a:t>
+            </a:r>
+            <a:r>
+              <a:rPr lang="en-US" smtClean="0"/>
+              <a:t> Group</a:t>
+            </a:r>
+            <a:endParaRPr lang="en-US" smtClean="0"/>
+          </a:p>
+          <a:p>
+            <a:pPr lvl="2"/>
+            <a:r>
+              <a:rPr lang="en-US" smtClean="0"/>
+              <a:t>Haji </a:t>
+            </a:r>
+            <a:r>
+              <a:rPr lang="en-US" smtClean="0"/>
+              <a:t>Ali Amir Ali Goodarsi [raw pptx creator, compiler]</a:t>
+            </a:r>
+          </a:p>
+          <a:p>
+            <a:pPr lvl="2"/>
+            <a:r>
+              <a:rPr lang="en-US" smtClean="0"/>
+              <a:t>Mohamad Saleh Saboori *1</a:t>
+            </a:r>
+          </a:p>
+          <a:p>
+            <a:pPr lvl="2"/>
+            <a:r>
+              <a:rPr lang="en-US" smtClean="0"/>
+              <a:t>Mohammad Reza Azimi *</a:t>
+            </a:r>
+            <a:r>
+              <a:rPr lang="en-US" smtClean="0"/>
+              <a:t>1</a:t>
+            </a:r>
+          </a:p>
+          <a:p>
+            <a:pPr lvl="2"/>
+            <a:r>
+              <a:rPr lang="en-US"/>
+              <a:t>Matin Noor [style corrector, presentation script writer, presentor]</a:t>
+            </a:r>
+          </a:p>
+          <a:p>
+            <a:pPr lvl="2"/>
+            <a:r>
+              <a:rPr lang="en-US"/>
               <a:t>Fatemeh Afshari [laptop bringer, out of ] </a:t>
             </a:r>
           </a:p>
           <a:p>
-            <a:r>
-              <a:rPr lang="en-US" sz="2000" smtClean="0"/>
-              <a:t>Haji Ali Amir Ali Goodarsi [raw pptx creator, compiler]</a:t>
-            </a:r>
-          </a:p>
-          <a:p>
-            <a:r>
-              <a:rPr lang="en-US" sz="2000" smtClean="0"/>
-              <a:t>Mohamad Saleh Saboori *1</a:t>
-            </a:r>
-          </a:p>
-          <a:p>
-            <a:r>
-              <a:rPr lang="en-US" sz="2000" smtClean="0"/>
-              <a:t>Mohammad Reza Azimi *1</a:t>
-            </a:r>
-          </a:p>
-          <a:p>
-            <a:endParaRPr lang="en-US" sz="2000"/>
-          </a:p>
-          <a:p>
-            <a:r>
-              <a:rPr lang="en-US" sz="2000" smtClean="0"/>
+            <a:pPr lvl="2"/>
+            <a:endParaRPr lang="en-US" smtClean="0"/>
+          </a:p>
+          <a:p>
+            <a:endParaRPr lang="en-US"/>
+          </a:p>
+          <a:p>
+            <a:r>
+              <a:rPr lang="en-US" smtClean="0"/>
               <a:t>*1 -&gt; their duties were not callable since it was canclled</a:t>
             </a:r>
-            <a:endParaRPr lang="en-US" sz="2000"/>
-          </a:p>
-          <a:p>
-            <a:endParaRPr lang="en-US" sz="2000" smtClean="0"/>
-          </a:p>
-          <a:p>
-            <a:endParaRPr lang="en-US" sz="2000"/>
+            <a:endParaRPr lang="en-US"/>
+          </a:p>
+          <a:p>
+            <a:endParaRPr lang="en-US" smtClean="0"/>
+          </a:p>
+          <a:p>
+            <a:endParaRPr lang="en-US"/>
           </a:p>
         </p:txBody>
       </p:sp>
@@ -11565,7 +11636,7 @@
           <p:cNvPr id="2" name="Title 1">
             <a:extLst>
               <a:ext uri="{FF2B5EF4-FFF2-40B4-BE49-F238E27FC236}">
-                <a16:creationId xmlns:a16="http://schemas.microsoft.com/office/drawing/2014/main" xmlns="" id="{BE99F444-FCBD-B140-9C05-E443FA0805C4}"/>
+                <a16:creationId xmlns="" xmlns:a16="http://schemas.microsoft.com/office/drawing/2014/main" id="{BE99F444-FCBD-B140-9C05-E443FA0805C4}"/>
               </a:ext>
             </a:extLst>
           </p:cNvPr>
@@ -12312,7 +12383,7 @@
           <p:cNvPr id="2" name="Title 1">
             <a:extLst>
               <a:ext uri="{FF2B5EF4-FFF2-40B4-BE49-F238E27FC236}">
-                <a16:creationId xmlns:a16="http://schemas.microsoft.com/office/drawing/2014/main" xmlns="" id="{F188652B-B439-4AB5-8773-417F1E05177E}"/>
+                <a16:creationId xmlns="" xmlns:a16="http://schemas.microsoft.com/office/drawing/2014/main" id="{F188652B-B439-4AB5-8773-417F1E05177E}"/>
               </a:ext>
             </a:extLst>
           </p:cNvPr>
@@ -14629,6 +14700,15 @@
 </file>
 
 <file path=customXml/item1.xml><?xml version="1.0" encoding="utf-8"?>
+<p:properties xmlns:p="http://schemas.microsoft.com/office/2006/metadata/properties" xmlns:xsi="http://www.w3.org/2001/XMLSchema-instance" xmlns:pc="http://schemas.microsoft.com/office/infopath/2007/PartnerControls">
+  <documentManagement>
+    <MediaServiceKeyPoints xmlns="71af3243-3dd4-4a8d-8c0d-dd76da1f02a5" xsi:nil="true"/>
+    <Status xmlns="71af3243-3dd4-4a8d-8c0d-dd76da1f02a5">Not started</Status>
+  </documentManagement>
+</p:properties>
+</file>
+
+<file path=customXml/item2.xml><?xml version="1.0" encoding="utf-8"?>
 <ct:contentTypeSchema xmlns:ct="http://schemas.microsoft.com/office/2006/metadata/contentType" xmlns:ma="http://schemas.microsoft.com/office/2006/metadata/properties/metaAttributes" ct:_="" ma:_="" ma:contentTypeName="Document" ma:contentTypeID="0x01010079F111ED35F8CC479449609E8A0923A6" ma:contentTypeVersion="12" ma:contentTypeDescription="Create a new document." ma:contentTypeScope="" ma:versionID="b385d60f68dd989dca1fdc827799d853">
   <xsd:schema xmlns:xsd="http://www.w3.org/2001/XMLSchema" xmlns:xs="http://www.w3.org/2001/XMLSchema" xmlns:p="http://schemas.microsoft.com/office/2006/metadata/properties" xmlns:ns2="71af3243-3dd4-4a8d-8c0d-dd76da1f02a5" xmlns:ns3="16c05727-aa75-4e4a-9b5f-8a80a1165891" targetNamespace="http://schemas.microsoft.com/office/2006/metadata/properties" ma:root="true" ma:fieldsID="1911b479caf7b199da365455750e4572" ns2:_="" ns3:_="">
     <xsd:import namespace="71af3243-3dd4-4a8d-8c0d-dd76da1f02a5"/>
@@ -14849,15 +14929,6 @@
 </ct:contentTypeSchema>
 </file>
 
-<file path=customXml/item2.xml><?xml version="1.0" encoding="utf-8"?>
-<p:properties xmlns:p="http://schemas.microsoft.com/office/2006/metadata/properties" xmlns:xsi="http://www.w3.org/2001/XMLSchema-instance" xmlns:pc="http://schemas.microsoft.com/office/infopath/2007/PartnerControls">
-  <documentManagement>
-    <MediaServiceKeyPoints xmlns="71af3243-3dd4-4a8d-8c0d-dd76da1f02a5" xsi:nil="true"/>
-    <Status xmlns="71af3243-3dd4-4a8d-8c0d-dd76da1f02a5">Not started</Status>
-  </documentManagement>
-</p:properties>
-</file>
-
 <file path=customXml/item3.xml><?xml version="1.0" encoding="utf-8"?>
 <?mso-contentType ?>
 <FormTemplates xmlns="http://schemas.microsoft.com/sharepoint/v3/contenttype/forms">
@@ -14868,6 +14939,23 @@
 </file>
 
 <file path=customXml/itemProps1.xml><?xml version="1.0" encoding="utf-8"?>
+<ds:datastoreItem xmlns:ds="http://schemas.openxmlformats.org/officeDocument/2006/customXml" ds:itemID="{4415B3C4-7FB6-414C-8C24-8862C0E6C9F3}">
+  <ds:schemaRefs>
+    <ds:schemaRef ds:uri="http://purl.org/dc/dcmitype/"/>
+    <ds:schemaRef ds:uri="http://schemas.microsoft.com/office/infopath/2007/PartnerControls"/>
+    <ds:schemaRef ds:uri="http://schemas.microsoft.com/office/2006/documentManagement/types"/>
+    <ds:schemaRef ds:uri="71af3243-3dd4-4a8d-8c0d-dd76da1f02a5"/>
+    <ds:schemaRef ds:uri="http://purl.org/dc/elements/1.1/"/>
+    <ds:schemaRef ds:uri="http://schemas.microsoft.com/office/2006/metadata/properties"/>
+    <ds:schemaRef ds:uri="http://www.w3.org/XML/1998/namespace"/>
+    <ds:schemaRef ds:uri="http://schemas.openxmlformats.org/package/2006/metadata/core-properties"/>
+    <ds:schemaRef ds:uri="16c05727-aa75-4e4a-9b5f-8a80a1165891"/>
+    <ds:schemaRef ds:uri="http://purl.org/dc/terms/"/>
+  </ds:schemaRefs>
+</ds:datastoreItem>
+</file>
+
+<file path=customXml/itemProps2.xml><?xml version="1.0" encoding="utf-8"?>
 <ds:datastoreItem xmlns:ds="http://schemas.openxmlformats.org/officeDocument/2006/customXml" ds:itemID="{0257C101-46E1-4CAE-AE60-1AB79022B7A9}">
   <ds:schemaRefs>
     <ds:schemaRef ds:uri="http://schemas.microsoft.com/office/2006/metadata/contentType"/>
@@ -14886,23 +14974,6 @@
 </ds:datastoreItem>
 </file>
 
-<file path=customXml/itemProps2.xml><?xml version="1.0" encoding="utf-8"?>
-<ds:datastoreItem xmlns:ds="http://schemas.openxmlformats.org/officeDocument/2006/customXml" ds:itemID="{4415B3C4-7FB6-414C-8C24-8862C0E6C9F3}">
-  <ds:schemaRefs>
-    <ds:schemaRef ds:uri="http://purl.org/dc/dcmitype/"/>
-    <ds:schemaRef ds:uri="http://schemas.microsoft.com/office/infopath/2007/PartnerControls"/>
-    <ds:schemaRef ds:uri="http://schemas.microsoft.com/office/2006/documentManagement/types"/>
-    <ds:schemaRef ds:uri="71af3243-3dd4-4a8d-8c0d-dd76da1f02a5"/>
-    <ds:schemaRef ds:uri="http://purl.org/dc/elements/1.1/"/>
-    <ds:schemaRef ds:uri="http://schemas.microsoft.com/office/2006/metadata/properties"/>
-    <ds:schemaRef ds:uri="http://www.w3.org/XML/1998/namespace"/>
-    <ds:schemaRef ds:uri="http://schemas.openxmlformats.org/package/2006/metadata/core-properties"/>
-    <ds:schemaRef ds:uri="16c05727-aa75-4e4a-9b5f-8a80a1165891"/>
-    <ds:schemaRef ds:uri="http://purl.org/dc/terms/"/>
-  </ds:schemaRefs>
-</ds:datastoreItem>
-</file>
-
 <file path=customXml/itemProps3.xml><?xml version="1.0" encoding="utf-8"?>
 <ds:datastoreItem xmlns:ds="http://schemas.openxmlformats.org/officeDocument/2006/customXml" ds:itemID="{CE12C2FA-3740-4055-BA8A-74A1458F4A51}">
   <ds:schemaRefs>

--- a/کنفرانس زیان انگلیسی.pptx
+++ b/کنفرانس زیان انگلیسی.pptx
@@ -11109,6 +11109,9 @@
           </a:p>
           <a:p>
             <a:endParaRPr lang="en-US">
+              <a:solidFill>
+                <a:srgbClr val="FFCC00"/>
+              </a:solidFill>
               <a:sym typeface="Wingdings" panose="05000000000000000000" pitchFamily="2" charset="2"/>
             </a:endParaRPr>
           </a:p>
@@ -11153,68 +11156,158 @@
           </a:p>
           <a:p>
             <a:r>
-              <a:rPr lang="en-US" smtClean="0"/>
+              <a:rPr lang="en-US" smtClean="0">
+                <a:solidFill>
+                  <a:srgbClr val="FFCC00"/>
+                </a:solidFill>
+              </a:rPr>
               <a:t>ControButors:</a:t>
             </a:r>
           </a:p>
           <a:p>
             <a:pPr lvl="1"/>
             <a:r>
-              <a:rPr lang="en-US" smtClean="0"/>
+              <a:rPr lang="en-US" smtClean="0">
+                <a:solidFill>
+                  <a:srgbClr val="FFCC00"/>
+                </a:solidFill>
+              </a:rPr>
               <a:t>5</a:t>
             </a:r>
             <a:r>
-              <a:rPr lang="en-US" baseline="30000" smtClean="0"/>
+              <a:rPr lang="en-US" baseline="30000" smtClean="0">
+                <a:solidFill>
+                  <a:srgbClr val="FFCC00"/>
+                </a:solidFill>
+              </a:rPr>
               <a:t>th</a:t>
             </a:r>
             <a:r>
-              <a:rPr lang="en-US" smtClean="0"/>
+              <a:rPr lang="en-US" smtClean="0">
+                <a:solidFill>
+                  <a:srgbClr val="FFCC00"/>
+                </a:solidFill>
+              </a:rPr>
               <a:t> Group</a:t>
             </a:r>
-            <a:endParaRPr lang="en-US" smtClean="0"/>
+            <a:endParaRPr lang="en-US" smtClean="0">
+              <a:solidFill>
+                <a:srgbClr val="FFCC00"/>
+              </a:solidFill>
+            </a:endParaRPr>
           </a:p>
           <a:p>
             <a:pPr lvl="2"/>
             <a:r>
-              <a:rPr lang="en-US" smtClean="0"/>
+              <a:rPr lang="en-US" smtClean="0">
+                <a:solidFill>
+                  <a:srgbClr val="FFCC00"/>
+                </a:solidFill>
+              </a:rPr>
               <a:t>Haji </a:t>
             </a:r>
             <a:r>
-              <a:rPr lang="en-US" smtClean="0"/>
+              <a:rPr lang="en-US" smtClean="0">
+                <a:solidFill>
+                  <a:srgbClr val="FFCC00"/>
+                </a:solidFill>
+              </a:rPr>
               <a:t>Ali Amir Ali Goodarsi [raw pptx creator, compiler]</a:t>
             </a:r>
           </a:p>
           <a:p>
             <a:pPr lvl="2"/>
             <a:r>
-              <a:rPr lang="en-US" smtClean="0"/>
+              <a:rPr lang="en-US" smtClean="0">
+                <a:solidFill>
+                  <a:srgbClr val="FFCC00"/>
+                </a:solidFill>
+              </a:rPr>
               <a:t>Mohamad Saleh Saboori *1</a:t>
             </a:r>
           </a:p>
           <a:p>
             <a:pPr lvl="2"/>
             <a:r>
-              <a:rPr lang="en-US" smtClean="0"/>
+              <a:rPr lang="en-US" smtClean="0">
+                <a:solidFill>
+                  <a:srgbClr val="FFCC00"/>
+                </a:solidFill>
+              </a:rPr>
               <a:t>Mohammad Reza Azimi *</a:t>
             </a:r>
             <a:r>
-              <a:rPr lang="en-US" smtClean="0"/>
+              <a:rPr lang="en-US" smtClean="0">
+                <a:solidFill>
+                  <a:srgbClr val="FFCC00"/>
+                </a:solidFill>
+              </a:rPr>
               <a:t>1</a:t>
             </a:r>
           </a:p>
           <a:p>
             <a:pPr lvl="2"/>
             <a:r>
-              <a:rPr lang="en-US"/>
-              <a:t>Matin Noor [style corrector, presentation script writer, presentor]</a:t>
-            </a:r>
+              <a:rPr lang="en-US">
+                <a:solidFill>
+                  <a:srgbClr val="FFCC00"/>
+                </a:solidFill>
+              </a:rPr>
+              <a:t>Matin Noor [style corrector, presentation script writer</a:t>
+            </a:r>
+            <a:r>
+              <a:rPr lang="en-US">
+                <a:solidFill>
+                  <a:srgbClr val="FFCC00"/>
+                </a:solidFill>
+              </a:rPr>
+              <a:t>, </a:t>
+            </a:r>
+            <a:r>
+              <a:rPr lang="en-US" smtClean="0">
+                <a:solidFill>
+                  <a:srgbClr val="FFCC00"/>
+                </a:solidFill>
+              </a:rPr>
+              <a:t>presentor, Uploader]</a:t>
+            </a:r>
+            <a:endParaRPr lang="en-US">
+              <a:solidFill>
+                <a:srgbClr val="FFCC00"/>
+              </a:solidFill>
+            </a:endParaRPr>
           </a:p>
           <a:p>
             <a:pPr lvl="2"/>
             <a:r>
-              <a:rPr lang="en-US"/>
-              <a:t>Fatemeh Afshari [laptop bringer, out of ] </a:t>
-            </a:r>
+              <a:rPr lang="en-US">
+                <a:solidFill>
+                  <a:srgbClr val="FFCC00"/>
+                </a:solidFill>
+              </a:rPr>
+              <a:t>Fatemeh Afshari [</a:t>
+            </a:r>
+            <a:r>
+              <a:rPr lang="en-US">
+                <a:solidFill>
+                  <a:srgbClr val="FFCC00"/>
+                </a:solidFill>
+              </a:rPr>
+              <a:t>laptop </a:t>
+            </a:r>
+            <a:r>
+              <a:rPr lang="en-US" smtClean="0">
+                <a:solidFill>
+                  <a:srgbClr val="FFCC00"/>
+                </a:solidFill>
+              </a:rPr>
+              <a:t>bringer] </a:t>
+            </a:r>
+            <a:endParaRPr lang="en-US">
+              <a:solidFill>
+                <a:srgbClr val="FFCC00"/>
+              </a:solidFill>
+            </a:endParaRPr>
           </a:p>
           <a:p>
             <a:pPr lvl="2"/>
@@ -11226,7 +11319,23 @@
           <a:p>
             <a:r>
               <a:rPr lang="en-US" smtClean="0"/>
-              <a:t>*1 -&gt; their duties were not callable since it was canclled</a:t>
+              <a:t>*1 -&gt; their duties were not </a:t>
+            </a:r>
+            <a:r>
+              <a:rPr lang="en-US" smtClean="0"/>
+              <a:t>callable; </a:t>
+            </a:r>
+            <a:r>
+              <a:rPr lang="en-US" smtClean="0"/>
+              <a:t>since </a:t>
+            </a:r>
+            <a:r>
+              <a:rPr lang="en-US" smtClean="0"/>
+              <a:t>presentation </a:t>
+            </a:r>
+            <a:r>
+              <a:rPr lang="en-US" smtClean="0"/>
+              <a:t>was canclled</a:t>
             </a:r>
             <a:endParaRPr lang="en-US"/>
           </a:p>
